--- a/SVC/SVMs_Class_Demo.pptx
+++ b/SVC/SVMs_Class_Demo.pptx
@@ -5,7 +5,7 @@
     <p:sldMasterId id="2147483648" r:id="rId1"/>
   </p:sldMasterIdLst>
   <p:notesMasterIdLst>
-    <p:notesMasterId r:id="rId24"/>
+    <p:notesMasterId r:id="rId26"/>
   </p:notesMasterIdLst>
   <p:sldIdLst>
     <p:sldId id="256" r:id="rId2"/>
@@ -29,7 +29,9 @@
     <p:sldId id="275" r:id="rId20"/>
     <p:sldId id="276" r:id="rId21"/>
     <p:sldId id="277" r:id="rId22"/>
-    <p:sldId id="258" r:id="rId23"/>
+    <p:sldId id="278" r:id="rId23"/>
+    <p:sldId id="279" r:id="rId24"/>
+    <p:sldId id="258" r:id="rId25"/>
   </p:sldIdLst>
   <p:sldSz cx="9144000" cy="6858000" type="screen4x3"/>
   <p:notesSz cx="6858000" cy="9144000"/>
@@ -3178,7 +3180,7 @@
           <a:p>
             <a:fld id="{BE5F3E31-9781-B24F-87A9-F98653FBF465}" type="datetimeFigureOut">
               <a:rPr lang="en-US" smtClean="0"/>
-              <a:t>2/6/20</a:t>
+              <a:t>2/6/2020</a:t>
             </a:fld>
             <a:endParaRPr lang="en-US"/>
           </a:p>
@@ -3846,7 +3848,7 @@
           <a:p>
             <a:fld id="{45C4CE51-D15A-BB47-9138-751D578D2580}" type="datetimeFigureOut">
               <a:rPr lang="en-US" smtClean="0"/>
-              <a:t>2/6/20</a:t>
+              <a:t>2/6/2020</a:t>
             </a:fld>
             <a:endParaRPr lang="en-US"/>
           </a:p>
@@ -4130,7 +4132,7 @@
           <a:p>
             <a:fld id="{45C4CE51-D15A-BB47-9138-751D578D2580}" type="datetimeFigureOut">
               <a:rPr lang="en-US" smtClean="0"/>
-              <a:t>2/6/20</a:t>
+              <a:t>2/6/2020</a:t>
             </a:fld>
             <a:endParaRPr lang="en-US"/>
           </a:p>
@@ -4420,7 +4422,7 @@
           <a:p>
             <a:fld id="{45C4CE51-D15A-BB47-9138-751D578D2580}" type="datetimeFigureOut">
               <a:rPr lang="en-US" smtClean="0"/>
-              <a:t>2/6/20</a:t>
+              <a:t>2/6/2020</a:t>
             </a:fld>
             <a:endParaRPr lang="en-US"/>
           </a:p>
@@ -4710,7 +4712,7 @@
           <a:p>
             <a:fld id="{45C4CE51-D15A-BB47-9138-751D578D2580}" type="datetimeFigureOut">
               <a:rPr lang="en-US" smtClean="0"/>
-              <a:t>2/6/20</a:t>
+              <a:t>2/6/2020</a:t>
             </a:fld>
             <a:endParaRPr lang="en-US"/>
           </a:p>
@@ -5134,7 +5136,7 @@
           <a:p>
             <a:fld id="{45C4CE51-D15A-BB47-9138-751D578D2580}" type="datetimeFigureOut">
               <a:rPr lang="en-US" smtClean="0"/>
-              <a:t>2/6/20</a:t>
+              <a:t>2/6/2020</a:t>
             </a:fld>
             <a:endParaRPr lang="en-US"/>
           </a:p>
@@ -5258,7 +5260,7 @@
           <a:p>
             <a:fld id="{45C4CE51-D15A-BB47-9138-751D578D2580}" type="datetimeFigureOut">
               <a:rPr lang="en-US" smtClean="0"/>
-              <a:t>2/6/20</a:t>
+              <a:t>2/6/2020</a:t>
             </a:fld>
             <a:endParaRPr lang="en-US"/>
           </a:p>
@@ -5676,7 +5678,7 @@
           <a:p>
             <a:fld id="{45C4CE51-D15A-BB47-9138-751D578D2580}" type="datetimeFigureOut">
               <a:rPr lang="en-US" smtClean="0"/>
-              <a:t>2/6/20</a:t>
+              <a:t>2/6/2020</a:t>
             </a:fld>
             <a:endParaRPr lang="en-US"/>
           </a:p>
@@ -5953,7 +5955,7 @@
           <a:p>
             <a:fld id="{45C4CE51-D15A-BB47-9138-751D578D2580}" type="datetimeFigureOut">
               <a:rPr lang="en-US" smtClean="0"/>
-              <a:t>2/6/20</a:t>
+              <a:t>2/6/2020</a:t>
             </a:fld>
             <a:endParaRPr lang="en-US"/>
           </a:p>
@@ -6207,7 +6209,7 @@
           <a:p>
             <a:fld id="{45C4CE51-D15A-BB47-9138-751D578D2580}" type="datetimeFigureOut">
               <a:rPr lang="en-US" smtClean="0"/>
-              <a:t>2/6/20</a:t>
+              <a:t>2/6/2020</a:t>
             </a:fld>
             <a:endParaRPr lang="en-US"/>
           </a:p>
@@ -6448,7 +6450,7 @@
           <a:p>
             <a:fld id="{45C4CE51-D15A-BB47-9138-751D578D2580}" type="datetimeFigureOut">
               <a:rPr lang="en-US" smtClean="0"/>
-              <a:t>2/6/20</a:t>
+              <a:t>2/6/2020</a:t>
             </a:fld>
             <a:endParaRPr lang="en-US"/>
           </a:p>
@@ -7600,8 +7602,8 @@
           <a:chExt cx="0" cy="0"/>
         </a:xfrm>
       </p:grpSpPr>
-      <mc:AlternateContent xmlns:mc="http://schemas.openxmlformats.org/markup-compatibility/2006">
-        <mc:Choice xmlns:a14="http://schemas.microsoft.com/office/drawing/2010/main" Requires="a14">
+      <mc:AlternateContent xmlns:mc="http://schemas.openxmlformats.org/markup-compatibility/2006" xmlns:a14="http://schemas.microsoft.com/office/drawing/2010/main">
+        <mc:Choice Requires="a14">
           <p:sp>
             <p:nvSpPr>
               <p:cNvPr id="3" name="Content Placeholder 2">
@@ -8800,7 +8802,7 @@
             </p:txBody>
           </p:sp>
         </mc:Choice>
-        <mc:Fallback>
+        <mc:Fallback xmlns="">
           <p:sp>
             <p:nvSpPr>
               <p:cNvPr id="3" name="Content Placeholder 2">
@@ -8874,8 +8876,8 @@
           <a:chExt cx="0" cy="0"/>
         </a:xfrm>
       </p:grpSpPr>
-      <mc:AlternateContent xmlns:mc="http://schemas.openxmlformats.org/markup-compatibility/2006">
-        <mc:Choice xmlns:a14="http://schemas.microsoft.com/office/drawing/2010/main" Requires="a14">
+      <mc:AlternateContent xmlns:mc="http://schemas.openxmlformats.org/markup-compatibility/2006" xmlns:a14="http://schemas.microsoft.com/office/drawing/2010/main">
+        <mc:Choice Requires="a14">
           <p:sp>
             <p:nvSpPr>
               <p:cNvPr id="3" name="Content Placeholder 2">
@@ -9330,7 +9332,7 @@
             </p:txBody>
           </p:sp>
         </mc:Choice>
-        <mc:Fallback>
+        <mc:Fallback xmlns="">
           <p:sp>
             <p:nvSpPr>
               <p:cNvPr id="3" name="Content Placeholder 2">
@@ -10008,8 +10010,8 @@
           <a:chExt cx="0" cy="0"/>
         </a:xfrm>
       </p:grpSpPr>
-      <mc:AlternateContent xmlns:mc="http://schemas.openxmlformats.org/markup-compatibility/2006">
-        <mc:Choice xmlns:a14="http://schemas.microsoft.com/office/drawing/2010/main" Requires="a14">
+      <mc:AlternateContent xmlns:mc="http://schemas.openxmlformats.org/markup-compatibility/2006" xmlns:a14="http://schemas.microsoft.com/office/drawing/2010/main">
+        <mc:Choice Requires="a14">
           <p:sp>
             <p:nvSpPr>
               <p:cNvPr id="3" name="Content Placeholder 2">
@@ -10581,7 +10583,7 @@
             </p:txBody>
           </p:sp>
         </mc:Choice>
-        <mc:Fallback>
+        <mc:Fallback xmlns="">
           <p:sp>
             <p:nvSpPr>
               <p:cNvPr id="3" name="Content Placeholder 2">
@@ -10639,6 +10641,258 @@
 </file>
 
 <file path=ppt/slides/slide22.xml><?xml version="1.0" encoding="utf-8"?>
+<p:sld xmlns:a="http://schemas.openxmlformats.org/drawingml/2006/main" xmlns:r="http://schemas.openxmlformats.org/officeDocument/2006/relationships" xmlns:p="http://schemas.openxmlformats.org/presentationml/2006/main">
+  <p:cSld>
+    <p:spTree>
+      <p:nvGrpSpPr>
+        <p:cNvPr id="1" name=""/>
+        <p:cNvGrpSpPr/>
+        <p:nvPr/>
+      </p:nvGrpSpPr>
+      <p:grpSpPr>
+        <a:xfrm>
+          <a:off x="0" y="0"/>
+          <a:ext cx="0" cy="0"/>
+          <a:chOff x="0" y="0"/>
+          <a:chExt cx="0" cy="0"/>
+        </a:xfrm>
+      </p:grpSpPr>
+      <p:sp>
+        <p:nvSpPr>
+          <p:cNvPr id="2" name="Title 1">
+            <a:extLst>
+              <a:ext uri="{FF2B5EF4-FFF2-40B4-BE49-F238E27FC236}">
+                <a16:creationId xmlns:a16="http://schemas.microsoft.com/office/drawing/2014/main" id="{9AF1EC48-100D-493F-AB71-0E692E7A48FE}"/>
+              </a:ext>
+            </a:extLst>
+          </p:cNvPr>
+          <p:cNvSpPr>
+            <a:spLocks noGrp="1"/>
+          </p:cNvSpPr>
+          <p:nvPr>
+            <p:ph type="title"/>
+          </p:nvPr>
+        </p:nvSpPr>
+        <p:spPr/>
+        <p:txBody>
+          <a:bodyPr/>
+          <a:lstStyle/>
+          <a:p>
+            <a:r>
+              <a:rPr lang="en-US" dirty="0"/>
+              <a:t>Python Implementation</a:t>
+            </a:r>
+          </a:p>
+        </p:txBody>
+      </p:sp>
+      <p:sp>
+        <p:nvSpPr>
+          <p:cNvPr id="3" name="Content Placeholder 2">
+            <a:extLst>
+              <a:ext uri="{FF2B5EF4-FFF2-40B4-BE49-F238E27FC236}">
+                <a16:creationId xmlns:a16="http://schemas.microsoft.com/office/drawing/2014/main" id="{85A3661F-C6DA-4C5A-981A-033FC5BBCC28}"/>
+              </a:ext>
+            </a:extLst>
+          </p:cNvPr>
+          <p:cNvSpPr>
+            <a:spLocks noGrp="1"/>
+          </p:cNvSpPr>
+          <p:nvPr>
+            <p:ph idx="1"/>
+          </p:nvPr>
+        </p:nvSpPr>
+        <p:spPr/>
+        <p:txBody>
+          <a:bodyPr>
+            <a:normAutofit/>
+          </a:bodyPr>
+          <a:lstStyle/>
+          <a:p>
+            <a:r>
+              <a:rPr lang="en-US" sz="5400" dirty="0">
+                <a:solidFill>
+                  <a:schemeClr val="tx1"/>
+                </a:solidFill>
+              </a:rPr>
+              <a:t>shorturl.at/</a:t>
+            </a:r>
+            <a:r>
+              <a:rPr lang="en-US" sz="5400" dirty="0" err="1">
+                <a:solidFill>
+                  <a:schemeClr val="tx1"/>
+                </a:solidFill>
+              </a:rPr>
+              <a:t>floLY</a:t>
+            </a:r>
+            <a:endParaRPr lang="en-US" sz="5400" dirty="0">
+              <a:solidFill>
+                <a:schemeClr val="tx1"/>
+              </a:solidFill>
+            </a:endParaRPr>
+          </a:p>
+          <a:p>
+            <a:endParaRPr lang="en-US" sz="5400" dirty="0">
+              <a:solidFill>
+                <a:schemeClr val="tx1"/>
+              </a:solidFill>
+            </a:endParaRPr>
+          </a:p>
+        </p:txBody>
+      </p:sp>
+    </p:spTree>
+    <p:extLst>
+      <p:ext uri="{BB962C8B-B14F-4D97-AF65-F5344CB8AC3E}">
+        <p14:creationId xmlns:p14="http://schemas.microsoft.com/office/powerpoint/2010/main" val="1502749874"/>
+      </p:ext>
+    </p:extLst>
+  </p:cSld>
+  <p:clrMapOvr>
+    <a:masterClrMapping/>
+  </p:clrMapOvr>
+</p:sld>
+</file>
+
+<file path=ppt/slides/slide23.xml><?xml version="1.0" encoding="utf-8"?>
+<p:sld xmlns:a="http://schemas.openxmlformats.org/drawingml/2006/main" xmlns:r="http://schemas.openxmlformats.org/officeDocument/2006/relationships" xmlns:p="http://schemas.openxmlformats.org/presentationml/2006/main">
+  <p:cSld>
+    <p:spTree>
+      <p:nvGrpSpPr>
+        <p:cNvPr id="1" name=""/>
+        <p:cNvGrpSpPr/>
+        <p:nvPr/>
+      </p:nvGrpSpPr>
+      <p:grpSpPr>
+        <a:xfrm>
+          <a:off x="0" y="0"/>
+          <a:ext cx="0" cy="0"/>
+          <a:chOff x="0" y="0"/>
+          <a:chExt cx="0" cy="0"/>
+        </a:xfrm>
+      </p:grpSpPr>
+      <p:sp>
+        <p:nvSpPr>
+          <p:cNvPr id="2" name="Title 1">
+            <a:extLst>
+              <a:ext uri="{FF2B5EF4-FFF2-40B4-BE49-F238E27FC236}">
+                <a16:creationId xmlns:a16="http://schemas.microsoft.com/office/drawing/2014/main" id="{BA6AE84F-BA17-4769-AFF1-A10654B3CE5C}"/>
+              </a:ext>
+            </a:extLst>
+          </p:cNvPr>
+          <p:cNvSpPr>
+            <a:spLocks noGrp="1"/>
+          </p:cNvSpPr>
+          <p:nvPr>
+            <p:ph type="title"/>
+          </p:nvPr>
+        </p:nvSpPr>
+        <p:spPr/>
+        <p:txBody>
+          <a:bodyPr/>
+          <a:lstStyle/>
+          <a:p>
+            <a:r>
+              <a:rPr lang="en-US" dirty="0"/>
+              <a:t>Exit Survey</a:t>
+            </a:r>
+          </a:p>
+        </p:txBody>
+      </p:sp>
+      <p:sp>
+        <p:nvSpPr>
+          <p:cNvPr id="3" name="Content Placeholder 2">
+            <a:extLst>
+              <a:ext uri="{FF2B5EF4-FFF2-40B4-BE49-F238E27FC236}">
+                <a16:creationId xmlns:a16="http://schemas.microsoft.com/office/drawing/2014/main" id="{0880F50F-4B48-4A2C-8243-E8D4C00E3248}"/>
+              </a:ext>
+            </a:extLst>
+          </p:cNvPr>
+          <p:cNvSpPr>
+            <a:spLocks noGrp="1"/>
+          </p:cNvSpPr>
+          <p:nvPr>
+            <p:ph idx="1"/>
+          </p:nvPr>
+        </p:nvSpPr>
+        <p:spPr/>
+        <p:txBody>
+          <a:bodyPr/>
+          <a:lstStyle/>
+          <a:p>
+            <a:r>
+              <a:rPr lang="en-US" dirty="0">
+                <a:solidFill>
+                  <a:schemeClr val="tx1"/>
+                </a:solidFill>
+                <a:hlinkClick r:id="rId2"/>
+              </a:rPr>
+              <a:t>https://forms.gle/8dL8EsB6gyqccRZs7</a:t>
+            </a:r>
+            <a:endParaRPr lang="en-US" dirty="0">
+              <a:solidFill>
+                <a:schemeClr val="tx1"/>
+              </a:solidFill>
+            </a:endParaRPr>
+          </a:p>
+          <a:p>
+            <a:endParaRPr lang="en-US" dirty="0">
+              <a:solidFill>
+                <a:schemeClr val="tx1"/>
+              </a:solidFill>
+            </a:endParaRPr>
+          </a:p>
+          <a:p>
+            <a:endParaRPr lang="en-US" dirty="0">
+              <a:solidFill>
+                <a:schemeClr val="tx1"/>
+              </a:solidFill>
+            </a:endParaRPr>
+          </a:p>
+        </p:txBody>
+      </p:sp>
+      <p:pic>
+        <p:nvPicPr>
+          <p:cNvPr id="5" name="Picture 4">
+            <a:extLst>
+              <a:ext uri="{FF2B5EF4-FFF2-40B4-BE49-F238E27FC236}">
+                <a16:creationId xmlns:a16="http://schemas.microsoft.com/office/drawing/2014/main" id="{F671077F-955D-4BD5-8986-16755CDA69D5}"/>
+              </a:ext>
+            </a:extLst>
+          </p:cNvPr>
+          <p:cNvPicPr>
+            <a:picLocks noChangeAspect="1"/>
+          </p:cNvPicPr>
+          <p:nvPr/>
+        </p:nvPicPr>
+        <p:blipFill>
+          <a:blip r:embed="rId3"/>
+          <a:stretch>
+            <a:fillRect/>
+          </a:stretch>
+        </p:blipFill>
+        <p:spPr>
+          <a:xfrm>
+            <a:off x="2665343" y="3041373"/>
+            <a:ext cx="3238500" cy="3238500"/>
+          </a:xfrm>
+          <a:prstGeom prst="rect">
+            <a:avLst/>
+          </a:prstGeom>
+        </p:spPr>
+      </p:pic>
+    </p:spTree>
+    <p:extLst>
+      <p:ext uri="{BB962C8B-B14F-4D97-AF65-F5344CB8AC3E}">
+        <p14:creationId xmlns:p14="http://schemas.microsoft.com/office/powerpoint/2010/main" val="396955978"/>
+      </p:ext>
+    </p:extLst>
+  </p:cSld>
+  <p:clrMapOvr>
+    <a:masterClrMapping/>
+  </p:clrMapOvr>
+</p:sld>
+</file>
+
+<file path=ppt/slides/slide24.xml><?xml version="1.0" encoding="utf-8"?>
 <p:sld xmlns:a="http://schemas.openxmlformats.org/drawingml/2006/main" xmlns:r="http://schemas.openxmlformats.org/officeDocument/2006/relationships" xmlns:p="http://schemas.openxmlformats.org/presentationml/2006/main">
   <p:cSld>
     <p:spTree>
@@ -11246,8 +11500,8 @@
           </a:p>
         </p:txBody>
       </p:sp>
-      <mc:AlternateContent xmlns:mc="http://schemas.openxmlformats.org/markup-compatibility/2006">
-        <mc:Choice xmlns:a14="http://schemas.microsoft.com/office/drawing/2010/main" Requires="a14">
+      <mc:AlternateContent xmlns:mc="http://schemas.openxmlformats.org/markup-compatibility/2006" xmlns:a14="http://schemas.microsoft.com/office/drawing/2010/main">
+        <mc:Choice Requires="a14">
           <p:sp>
             <p:nvSpPr>
               <p:cNvPr id="3" name="Content Placeholder 2">
@@ -11575,7 +11829,7 @@
             </p:txBody>
           </p:sp>
         </mc:Choice>
-        <mc:Fallback>
+        <mc:Fallback xmlns="">
           <p:sp>
             <p:nvSpPr>
               <p:cNvPr id="3" name="Content Placeholder 2">
@@ -11679,8 +11933,8 @@
           </a:p>
         </p:txBody>
       </p:sp>
-      <mc:AlternateContent xmlns:mc="http://schemas.openxmlformats.org/markup-compatibility/2006">
-        <mc:Choice xmlns:a14="http://schemas.microsoft.com/office/drawing/2010/main" Requires="a14">
+      <mc:AlternateContent xmlns:mc="http://schemas.openxmlformats.org/markup-compatibility/2006" xmlns:a14="http://schemas.microsoft.com/office/drawing/2010/main">
+        <mc:Choice Requires="a14">
           <p:sp>
             <p:nvSpPr>
               <p:cNvPr id="3" name="Content Placeholder 2">
@@ -12169,7 +12423,7 @@
             </p:txBody>
           </p:sp>
         </mc:Choice>
-        <mc:Fallback>
+        <mc:Fallback xmlns="">
           <p:sp>
             <p:nvSpPr>
               <p:cNvPr id="3" name="Content Placeholder 2">
